--- a/99.참고자료/작업용.pptx
+++ b/99.참고자료/작업용.pptx
@@ -11,6 +11,8 @@
     <p:sldId id="259" r:id="rId5"/>
     <p:sldId id="261" r:id="rId6"/>
     <p:sldId id="260" r:id="rId7"/>
+    <p:sldId id="262" r:id="rId8"/>
+    <p:sldId id="263" r:id="rId9"/>
   </p:sldIdLst>
   <p:sldSz cx="12192000" cy="6858000"/>
   <p:notesSz cx="6858000" cy="9144000"/>
@@ -5090,7 +5092,7 @@
           <a:p>
             <a:fld id="{A59EC275-27A6-453A-9216-FF840F3D7FF3}" type="datetimeFigureOut">
               <a:rPr lang="ko-KR" altLang="en-US" smtClean="0"/>
-              <a:t>2019-12-18</a:t>
+              <a:t>2019-12-23</a:t>
             </a:fld>
             <a:endParaRPr lang="ko-KR" altLang="en-US"/>
           </a:p>
@@ -5260,7 +5262,7 @@
           <a:p>
             <a:fld id="{A59EC275-27A6-453A-9216-FF840F3D7FF3}" type="datetimeFigureOut">
               <a:rPr lang="ko-KR" altLang="en-US" smtClean="0"/>
-              <a:t>2019-12-18</a:t>
+              <a:t>2019-12-23</a:t>
             </a:fld>
             <a:endParaRPr lang="ko-KR" altLang="en-US"/>
           </a:p>
@@ -5440,7 +5442,7 @@
           <a:p>
             <a:fld id="{A59EC275-27A6-453A-9216-FF840F3D7FF3}" type="datetimeFigureOut">
               <a:rPr lang="ko-KR" altLang="en-US" smtClean="0"/>
-              <a:t>2019-12-18</a:t>
+              <a:t>2019-12-23</a:t>
             </a:fld>
             <a:endParaRPr lang="ko-KR" altLang="en-US"/>
           </a:p>
@@ -5610,7 +5612,7 @@
           <a:p>
             <a:fld id="{A59EC275-27A6-453A-9216-FF840F3D7FF3}" type="datetimeFigureOut">
               <a:rPr lang="ko-KR" altLang="en-US" smtClean="0"/>
-              <a:t>2019-12-18</a:t>
+              <a:t>2019-12-23</a:t>
             </a:fld>
             <a:endParaRPr lang="ko-KR" altLang="en-US"/>
           </a:p>
@@ -5856,7 +5858,7 @@
           <a:p>
             <a:fld id="{A59EC275-27A6-453A-9216-FF840F3D7FF3}" type="datetimeFigureOut">
               <a:rPr lang="ko-KR" altLang="en-US" smtClean="0"/>
-              <a:t>2019-12-18</a:t>
+              <a:t>2019-12-23</a:t>
             </a:fld>
             <a:endParaRPr lang="ko-KR" altLang="en-US"/>
           </a:p>
@@ -6088,7 +6090,7 @@
           <a:p>
             <a:fld id="{A59EC275-27A6-453A-9216-FF840F3D7FF3}" type="datetimeFigureOut">
               <a:rPr lang="ko-KR" altLang="en-US" smtClean="0"/>
-              <a:t>2019-12-18</a:t>
+              <a:t>2019-12-23</a:t>
             </a:fld>
             <a:endParaRPr lang="ko-KR" altLang="en-US"/>
           </a:p>
@@ -6455,7 +6457,7 @@
           <a:p>
             <a:fld id="{A59EC275-27A6-453A-9216-FF840F3D7FF3}" type="datetimeFigureOut">
               <a:rPr lang="ko-KR" altLang="en-US" smtClean="0"/>
-              <a:t>2019-12-18</a:t>
+              <a:t>2019-12-23</a:t>
             </a:fld>
             <a:endParaRPr lang="ko-KR" altLang="en-US"/>
           </a:p>
@@ -6573,7 +6575,7 @@
           <a:p>
             <a:fld id="{A59EC275-27A6-453A-9216-FF840F3D7FF3}" type="datetimeFigureOut">
               <a:rPr lang="ko-KR" altLang="en-US" smtClean="0"/>
-              <a:t>2019-12-18</a:t>
+              <a:t>2019-12-23</a:t>
             </a:fld>
             <a:endParaRPr lang="ko-KR" altLang="en-US"/>
           </a:p>
@@ -6668,7 +6670,7 @@
           <a:p>
             <a:fld id="{A59EC275-27A6-453A-9216-FF840F3D7FF3}" type="datetimeFigureOut">
               <a:rPr lang="ko-KR" altLang="en-US" smtClean="0"/>
-              <a:t>2019-12-18</a:t>
+              <a:t>2019-12-23</a:t>
             </a:fld>
             <a:endParaRPr lang="ko-KR" altLang="en-US"/>
           </a:p>
@@ -6945,7 +6947,7 @@
           <a:p>
             <a:fld id="{A59EC275-27A6-453A-9216-FF840F3D7FF3}" type="datetimeFigureOut">
               <a:rPr lang="ko-KR" altLang="en-US" smtClean="0"/>
-              <a:t>2019-12-18</a:t>
+              <a:t>2019-12-23</a:t>
             </a:fld>
             <a:endParaRPr lang="ko-KR" altLang="en-US"/>
           </a:p>
@@ -7198,7 +7200,7 @@
           <a:p>
             <a:fld id="{A59EC275-27A6-453A-9216-FF840F3D7FF3}" type="datetimeFigureOut">
               <a:rPr lang="ko-KR" altLang="en-US" smtClean="0"/>
-              <a:t>2019-12-18</a:t>
+              <a:t>2019-12-23</a:t>
             </a:fld>
             <a:endParaRPr lang="ko-KR" altLang="en-US"/>
           </a:p>
@@ -7411,7 +7413,7 @@
           <a:p>
             <a:fld id="{A59EC275-27A6-453A-9216-FF840F3D7FF3}" type="datetimeFigureOut">
               <a:rPr lang="ko-KR" altLang="en-US" smtClean="0"/>
-              <a:t>2019-12-18</a:t>
+              <a:t>2019-12-23</a:t>
             </a:fld>
             <a:endParaRPr lang="ko-KR" altLang="en-US"/>
           </a:p>
@@ -10666,6 +10668,477 @@
 </p:sld>
 </file>
 
+<file path=ppt/slides/slide7.xml><?xml version="1.0" encoding="utf-8"?>
+<p:sld xmlns:a="http://schemas.openxmlformats.org/drawingml/2006/main" xmlns:r="http://schemas.openxmlformats.org/officeDocument/2006/relationships" xmlns:p="http://schemas.openxmlformats.org/presentationml/2006/main">
+  <p:cSld>
+    <p:spTree>
+      <p:nvGrpSpPr>
+        <p:cNvPr id="1" name=""/>
+        <p:cNvGrpSpPr/>
+        <p:nvPr/>
+      </p:nvGrpSpPr>
+      <p:grpSpPr>
+        <a:xfrm>
+          <a:off x="0" y="0"/>
+          <a:ext cx="0" cy="0"/>
+          <a:chOff x="0" y="0"/>
+          <a:chExt cx="0" cy="0"/>
+        </a:xfrm>
+      </p:grpSpPr>
+      <p:sp>
+        <p:nvSpPr>
+          <p:cNvPr id="2" name="제목 1"/>
+          <p:cNvSpPr>
+            <a:spLocks noGrp="1"/>
+          </p:cNvSpPr>
+          <p:nvPr>
+            <p:ph type="title"/>
+          </p:nvPr>
+        </p:nvSpPr>
+        <p:spPr/>
+        <p:txBody>
+          <a:bodyPr/>
+          <a:lstStyle/>
+          <a:p>
+            <a:endParaRPr lang="ko-KR" altLang="en-US"/>
+          </a:p>
+        </p:txBody>
+      </p:sp>
+      <p:graphicFrame>
+        <p:nvGraphicFramePr>
+          <p:cNvPr id="7" name="내용 개체 틀 6"/>
+          <p:cNvGraphicFramePr>
+            <a:graphicFrameLocks noGrp="1"/>
+          </p:cNvGraphicFramePr>
+          <p:nvPr>
+            <p:ph idx="1"/>
+            <p:extLst>
+              <p:ext uri="{D42A27DB-BD31-4B8C-83A1-F6EECF244321}">
+                <p14:modId xmlns:p14="http://schemas.microsoft.com/office/powerpoint/2010/main" val="1506908934"/>
+              </p:ext>
+            </p:extLst>
+          </p:nvPr>
+        </p:nvGraphicFramePr>
+        <p:xfrm>
+          <a:off x="838200" y="1825625"/>
+          <a:ext cx="10515601" cy="4817248"/>
+        </p:xfrm>
+        <a:graphic>
+          <a:graphicData uri="http://schemas.openxmlformats.org/drawingml/2006/table">
+            <a:tbl>
+              <a:tblPr firstRow="1" bandRow="1">
+                <a:tableStyleId>{5C22544A-7EE6-4342-B048-85BDC9FD1C3A}</a:tableStyleId>
+              </a:tblPr>
+              <a:tblGrid>
+                <a:gridCol w="1398224"/>
+                <a:gridCol w="4583017"/>
+                <a:gridCol w="2267180"/>
+                <a:gridCol w="2267180"/>
+              </a:tblGrid>
+              <a:tr h="266904">
+                <a:tc>
+                  <a:txBody>
+                    <a:bodyPr/>
+                    <a:lstStyle/>
+                    <a:p>
+                      <a:pPr latinLnBrk="1"/>
+                      <a:endParaRPr lang="ko-KR" altLang="en-US" dirty="0"/>
+                    </a:p>
+                  </a:txBody>
+                  <a:tcPr/>
+                </a:tc>
+                <a:tc>
+                  <a:txBody>
+                    <a:bodyPr/>
+                    <a:lstStyle/>
+                    <a:p>
+                      <a:pPr latinLnBrk="1"/>
+                      <a:r>
+                        <a:rPr lang="en-US" altLang="ko-KR" dirty="0" smtClean="0"/>
+                        <a:t>Player book</a:t>
+                      </a:r>
+                      <a:endParaRPr lang="ko-KR" altLang="en-US" dirty="0"/>
+                    </a:p>
+                  </a:txBody>
+                  <a:tcPr/>
+                </a:tc>
+                <a:tc gridSpan="2">
+                  <a:txBody>
+                    <a:bodyPr/>
+                    <a:lstStyle/>
+                    <a:p>
+                      <a:pPr latinLnBrk="1"/>
+                      <a:r>
+                        <a:rPr lang="en-US" altLang="ko-KR" dirty="0" smtClean="0"/>
+                        <a:t>Master book</a:t>
+                      </a:r>
+                      <a:endParaRPr lang="ko-KR" altLang="en-US" dirty="0"/>
+                    </a:p>
+                  </a:txBody>
+                  <a:tcPr/>
+                </a:tc>
+                <a:tc hMerge="1">
+                  <a:txBody>
+                    <a:bodyPr/>
+                    <a:lstStyle/>
+                    <a:p>
+                      <a:pPr latinLnBrk="1"/>
+                      <a:endParaRPr lang="ko-KR" altLang="en-US"/>
+                    </a:p>
+                  </a:txBody>
+                  <a:tcPr/>
+                </a:tc>
+              </a:tr>
+              <a:tr h="1112872">
+                <a:tc>
+                  <a:txBody>
+                    <a:bodyPr/>
+                    <a:lstStyle/>
+                    <a:p>
+                      <a:pPr latinLnBrk="1"/>
+                      <a:r>
+                        <a:rPr lang="en-US" altLang="ko-KR" dirty="0" smtClean="0"/>
+                        <a:t>1-4</a:t>
+                      </a:r>
+                    </a:p>
+                    <a:p>
+                      <a:pPr latinLnBrk="1"/>
+                      <a:r>
+                        <a:rPr lang="en-US" altLang="ko-KR" dirty="0" smtClean="0"/>
+                        <a:t>Basic</a:t>
+                      </a:r>
+                      <a:endParaRPr lang="ko-KR" altLang="en-US" dirty="0"/>
+                    </a:p>
+                  </a:txBody>
+                  <a:tcPr/>
+                </a:tc>
+                <a:tc>
+                  <a:txBody>
+                    <a:bodyPr/>
+                    <a:lstStyle/>
+                    <a:p>
+                      <a:pPr latinLnBrk="1"/>
+                      <a:endParaRPr lang="ko-KR" altLang="en-US" dirty="0"/>
+                    </a:p>
+                  </a:txBody>
+                  <a:tcPr/>
+                </a:tc>
+                <a:tc>
+                  <a:txBody>
+                    <a:bodyPr/>
+                    <a:lstStyle/>
+                    <a:p>
+                      <a:pPr latinLnBrk="1"/>
+                      <a:r>
+                        <a:rPr lang="en-US" altLang="ko-KR" dirty="0" smtClean="0"/>
+                        <a:t>Rule</a:t>
+                      </a:r>
+                      <a:endParaRPr lang="ko-KR" altLang="en-US" dirty="0"/>
+                    </a:p>
+                  </a:txBody>
+                  <a:tcPr/>
+                </a:tc>
+                <a:tc>
+                  <a:txBody>
+                    <a:bodyPr/>
+                    <a:lstStyle/>
+                    <a:p>
+                      <a:pPr latinLnBrk="1"/>
+                      <a:r>
+                        <a:rPr lang="en-US" altLang="ko-KR" dirty="0" smtClean="0"/>
+                        <a:t>World</a:t>
+                      </a:r>
+                      <a:endParaRPr lang="ko-KR" altLang="en-US" dirty="0"/>
+                    </a:p>
+                  </a:txBody>
+                  <a:tcPr/>
+                </a:tc>
+              </a:tr>
+              <a:tr h="1112872">
+                <a:tc>
+                  <a:txBody>
+                    <a:bodyPr/>
+                    <a:lstStyle/>
+                    <a:p>
+                      <a:pPr latinLnBrk="1"/>
+                      <a:r>
+                        <a:rPr lang="en-US" altLang="ko-KR" dirty="0" smtClean="0"/>
+                        <a:t>5-15</a:t>
+                      </a:r>
+                    </a:p>
+                    <a:p>
+                      <a:pPr latinLnBrk="1"/>
+                      <a:r>
+                        <a:rPr lang="en-US" altLang="ko-KR" dirty="0" smtClean="0"/>
+                        <a:t>Expert</a:t>
+                      </a:r>
+                      <a:endParaRPr lang="ko-KR" altLang="en-US" dirty="0"/>
+                    </a:p>
+                  </a:txBody>
+                  <a:tcPr/>
+                </a:tc>
+                <a:tc>
+                  <a:txBody>
+                    <a:bodyPr/>
+                    <a:lstStyle/>
+                    <a:p>
+                      <a:pPr latinLnBrk="1"/>
+                      <a:endParaRPr lang="ko-KR" altLang="en-US" dirty="0"/>
+                    </a:p>
+                  </a:txBody>
+                  <a:tcPr/>
+                </a:tc>
+                <a:tc>
+                  <a:txBody>
+                    <a:bodyPr/>
+                    <a:lstStyle/>
+                    <a:p>
+                      <a:pPr latinLnBrk="1"/>
+                      <a:r>
+                        <a:rPr lang="en-US" altLang="ko-KR" dirty="0" smtClean="0"/>
+                        <a:t>Rule</a:t>
+                      </a:r>
+                      <a:endParaRPr lang="ko-KR" altLang="en-US" dirty="0"/>
+                    </a:p>
+                  </a:txBody>
+                  <a:tcPr/>
+                </a:tc>
+                <a:tc>
+                  <a:txBody>
+                    <a:bodyPr/>
+                    <a:lstStyle/>
+                    <a:p>
+                      <a:pPr latinLnBrk="1"/>
+                      <a:r>
+                        <a:rPr lang="en-US" altLang="ko-KR" dirty="0" smtClean="0"/>
+                        <a:t>World</a:t>
+                      </a:r>
+                      <a:endParaRPr lang="ko-KR" altLang="en-US" dirty="0"/>
+                    </a:p>
+                  </a:txBody>
+                  <a:tcPr/>
+                </a:tc>
+              </a:tr>
+              <a:tr h="1112872">
+                <a:tc>
+                  <a:txBody>
+                    <a:bodyPr/>
+                    <a:lstStyle/>
+                    <a:p>
+                      <a:pPr latinLnBrk="1"/>
+                      <a:r>
+                        <a:rPr lang="en-US" altLang="ko-KR" dirty="0" smtClean="0"/>
+                        <a:t>16-24</a:t>
+                      </a:r>
+                    </a:p>
+                    <a:p>
+                      <a:pPr latinLnBrk="1"/>
+                      <a:r>
+                        <a:rPr lang="en-US" altLang="ko-KR" dirty="0" smtClean="0"/>
+                        <a:t>Master</a:t>
+                      </a:r>
+                      <a:endParaRPr lang="ko-KR" altLang="en-US" dirty="0"/>
+                    </a:p>
+                  </a:txBody>
+                  <a:tcPr/>
+                </a:tc>
+                <a:tc>
+                  <a:txBody>
+                    <a:bodyPr/>
+                    <a:lstStyle/>
+                    <a:p>
+                      <a:pPr latinLnBrk="1"/>
+                      <a:endParaRPr lang="ko-KR" altLang="en-US" dirty="0"/>
+                    </a:p>
+                  </a:txBody>
+                  <a:tcPr/>
+                </a:tc>
+                <a:tc>
+                  <a:txBody>
+                    <a:bodyPr/>
+                    <a:lstStyle/>
+                    <a:p>
+                      <a:pPr latinLnBrk="1"/>
+                      <a:r>
+                        <a:rPr lang="en-US" altLang="ko-KR" dirty="0" smtClean="0"/>
+                        <a:t>Rule</a:t>
+                      </a:r>
+                      <a:endParaRPr lang="ko-KR" altLang="en-US" dirty="0"/>
+                    </a:p>
+                  </a:txBody>
+                  <a:tcPr/>
+                </a:tc>
+                <a:tc>
+                  <a:txBody>
+                    <a:bodyPr/>
+                    <a:lstStyle/>
+                    <a:p>
+                      <a:pPr latinLnBrk="1"/>
+                      <a:r>
+                        <a:rPr lang="en-US" altLang="ko-KR" dirty="0" smtClean="0"/>
+                        <a:t>World</a:t>
+                      </a:r>
+                      <a:endParaRPr lang="ko-KR" altLang="en-US" dirty="0"/>
+                    </a:p>
+                  </a:txBody>
+                  <a:tcPr/>
+                </a:tc>
+              </a:tr>
+              <a:tr h="1112872">
+                <a:tc>
+                  <a:txBody>
+                    <a:bodyPr/>
+                    <a:lstStyle/>
+                    <a:p>
+                      <a:pPr latinLnBrk="1"/>
+                      <a:r>
+                        <a:rPr lang="en-US" altLang="ko-KR" dirty="0" smtClean="0"/>
+                        <a:t>25-36</a:t>
+                      </a:r>
+                    </a:p>
+                    <a:p>
+                      <a:pPr latinLnBrk="1"/>
+                      <a:r>
+                        <a:rPr lang="en-US" altLang="ko-KR" dirty="0" err="1" smtClean="0"/>
+                        <a:t>Immotal</a:t>
+                      </a:r>
+                      <a:endParaRPr lang="ko-KR" altLang="en-US" dirty="0"/>
+                    </a:p>
+                  </a:txBody>
+                  <a:tcPr/>
+                </a:tc>
+                <a:tc>
+                  <a:txBody>
+                    <a:bodyPr/>
+                    <a:lstStyle/>
+                    <a:p>
+                      <a:pPr latinLnBrk="1"/>
+                      <a:endParaRPr lang="ko-KR" altLang="en-US" dirty="0"/>
+                    </a:p>
+                  </a:txBody>
+                  <a:tcPr/>
+                </a:tc>
+                <a:tc>
+                  <a:txBody>
+                    <a:bodyPr/>
+                    <a:lstStyle/>
+                    <a:p>
+                      <a:pPr latinLnBrk="1"/>
+                      <a:r>
+                        <a:rPr lang="en-US" altLang="ko-KR" dirty="0" smtClean="0"/>
+                        <a:t>Rule</a:t>
+                      </a:r>
+                      <a:endParaRPr lang="ko-KR" altLang="en-US" dirty="0"/>
+                    </a:p>
+                  </a:txBody>
+                  <a:tcPr/>
+                </a:tc>
+                <a:tc>
+                  <a:txBody>
+                    <a:bodyPr/>
+                    <a:lstStyle/>
+                    <a:p>
+                      <a:pPr latinLnBrk="1"/>
+                      <a:r>
+                        <a:rPr lang="en-US" altLang="ko-KR" dirty="0" smtClean="0"/>
+                        <a:t>World</a:t>
+                      </a:r>
+                      <a:endParaRPr lang="ko-KR" altLang="en-US" dirty="0"/>
+                    </a:p>
+                  </a:txBody>
+                  <a:tcPr/>
+                </a:tc>
+              </a:tr>
+            </a:tbl>
+          </a:graphicData>
+        </a:graphic>
+      </p:graphicFrame>
+    </p:spTree>
+    <p:extLst>
+      <p:ext uri="{BB962C8B-B14F-4D97-AF65-F5344CB8AC3E}">
+        <p14:creationId xmlns:p14="http://schemas.microsoft.com/office/powerpoint/2010/main" val="2007498169"/>
+      </p:ext>
+    </p:extLst>
+  </p:cSld>
+  <p:clrMapOvr>
+    <a:masterClrMapping/>
+  </p:clrMapOvr>
+</p:sld>
+</file>
+
+<file path=ppt/slides/slide8.xml><?xml version="1.0" encoding="utf-8"?>
+<p:sld xmlns:a="http://schemas.openxmlformats.org/drawingml/2006/main" xmlns:r="http://schemas.openxmlformats.org/officeDocument/2006/relationships" xmlns:p="http://schemas.openxmlformats.org/presentationml/2006/main">
+  <p:cSld>
+    <p:spTree>
+      <p:nvGrpSpPr>
+        <p:cNvPr id="1" name=""/>
+        <p:cNvGrpSpPr/>
+        <p:nvPr/>
+      </p:nvGrpSpPr>
+      <p:grpSpPr>
+        <a:xfrm>
+          <a:off x="0" y="0"/>
+          <a:ext cx="0" cy="0"/>
+          <a:chOff x="0" y="0"/>
+          <a:chExt cx="0" cy="0"/>
+        </a:xfrm>
+      </p:grpSpPr>
+      <p:sp>
+        <p:nvSpPr>
+          <p:cNvPr id="2" name="제목 1"/>
+          <p:cNvSpPr>
+            <a:spLocks noGrp="1"/>
+          </p:cNvSpPr>
+          <p:nvPr>
+            <p:ph type="title"/>
+          </p:nvPr>
+        </p:nvSpPr>
+        <p:spPr/>
+        <p:txBody>
+          <a:bodyPr/>
+          <a:lstStyle/>
+          <a:p>
+            <a:endParaRPr lang="ko-KR" altLang="en-US"/>
+          </a:p>
+        </p:txBody>
+      </p:sp>
+      <p:pic>
+        <p:nvPicPr>
+          <p:cNvPr id="7" name="그림 6"/>
+          <p:cNvPicPr>
+            <a:picLocks noChangeAspect="1"/>
+          </p:cNvPicPr>
+          <p:nvPr/>
+        </p:nvPicPr>
+        <p:blipFill>
+          <a:blip r:embed="rId2"/>
+          <a:stretch>
+            <a:fillRect/>
+          </a:stretch>
+        </p:blipFill>
+        <p:spPr>
+          <a:xfrm>
+            <a:off x="1728178" y="190048"/>
+            <a:ext cx="8735644" cy="6477904"/>
+          </a:xfrm>
+          <a:prstGeom prst="rect">
+            <a:avLst/>
+          </a:prstGeom>
+        </p:spPr>
+      </p:pic>
+    </p:spTree>
+    <p:extLst>
+      <p:ext uri="{BB962C8B-B14F-4D97-AF65-F5344CB8AC3E}">
+        <p14:creationId xmlns:p14="http://schemas.microsoft.com/office/powerpoint/2010/main" val="2359688084"/>
+      </p:ext>
+    </p:extLst>
+  </p:cSld>
+  <p:clrMapOvr>
+    <a:masterClrMapping/>
+  </p:clrMapOvr>
+</p:sld>
+</file>
+
 <file path=ppt/theme/theme1.xml><?xml version="1.0" encoding="utf-8"?>
 <a:theme xmlns:a="http://schemas.openxmlformats.org/drawingml/2006/main" name="Office 테마">
   <a:themeElements>
